--- a/課題研究/2014/井上/ポスター1142016井上乃祐.pptx
+++ b/課題研究/2014/井上/ポスター1142016井上乃祐.pptx
@@ -11098,7 +11098,7 @@
         <p:spPr>
           <a:xfrm>
             <a:off x="2719279" y="25890556"/>
-            <a:ext cx="14096065" cy="1754326"/>
+            <a:ext cx="14096065" cy="2308324"/>
           </a:xfrm>
           <a:prstGeom prst="rect">
             <a:avLst/>
@@ -11119,32 +11119,12 @@
           </a:p>
           <a:p>
             <a:r>
-              <a:rPr lang="ja-JP" altLang="en-US" sz="3600" dirty="0" smtClean="0"/>
-              <a:t>・リツイート</a:t>
-            </a:r>
-            <a:r>
-              <a:rPr lang="ja-JP" altLang="en-US" sz="3600" dirty="0"/>
-              <a:t>の画像を判別する際に</a:t>
-            </a:r>
-            <a:r>
-              <a:rPr lang="ja-JP" altLang="en-US" sz="3600" dirty="0" smtClean="0"/>
-              <a:t>画像認識の</a:t>
-            </a:r>
-            <a:r>
-              <a:rPr lang="en-US" altLang="ja-JP" sz="3600" dirty="0"/>
-              <a:t>API</a:t>
-            </a:r>
-            <a:r>
-              <a:rPr lang="ja-JP" altLang="en-US" sz="3600" dirty="0"/>
-              <a:t>を入れたが，画像の判別ミスが多く目立ったため，</a:t>
-            </a:r>
-            <a:r>
-              <a:rPr lang="ja-JP" altLang="en-US" sz="3600" dirty="0" smtClean="0"/>
-              <a:t>画像認識について</a:t>
-            </a:r>
-            <a:r>
-              <a:rPr lang="ja-JP" altLang="en-US" sz="3600" dirty="0"/>
-              <a:t>平行して研究する</a:t>
+              <a:rPr lang="ja-JP" altLang="en-US" sz="3600" smtClean="0"/>
+              <a:t>・</a:t>
+            </a:r>
+            <a:r>
+              <a:rPr lang="ja-JP" altLang="en-US" sz="3600"/>
+              <a:t>リツイートの画像を判別する際に，画像認識サービスを試したが，画像の判別ミスが多かったため，判定結果はマイニングには使用しなかった．コンピュータによる画像認識については引き続き調査する．</a:t>
             </a:r>
             <a:endParaRPr kumimoji="1" lang="ja-JP" altLang="en-US" sz="3600" dirty="0"/>
           </a:p>
@@ -11314,28 +11294,12 @@
           <a:lstStyle/>
           <a:p>
             <a:r>
-              <a:rPr lang="en-US" altLang="ja-JP" sz="4400" dirty="0" smtClean="0"/>
+              <a:rPr lang="en-US" altLang="ja-JP" sz="4400"/>
               <a:t>Twitter</a:t>
             </a:r>
             <a:r>
-              <a:rPr lang="ja-JP" altLang="en-US" sz="4400" dirty="0"/>
-              <a:t>のアイコンが</a:t>
-            </a:r>
-            <a:r>
-              <a:rPr lang="ja-JP" altLang="en-US" sz="4400" dirty="0" smtClean="0"/>
-              <a:t>拡散力に</a:t>
-            </a:r>
-            <a:r>
-              <a:rPr lang="ja-JP" altLang="en-US" sz="4400" dirty="0"/>
-              <a:t>影響があるかを</a:t>
-            </a:r>
-            <a:r>
-              <a:rPr lang="ja-JP" altLang="en-US" sz="4400" dirty="0" smtClean="0"/>
-              <a:t>調べ</a:t>
-            </a:r>
-            <a:r>
-              <a:rPr lang="ja-JP" altLang="en-US" sz="4400" dirty="0"/>
-              <a:t>る</a:t>
+              <a:rPr lang="ja-JP" altLang="en-US" sz="4400"/>
+              <a:t>のアイコンが拡散力に影響するかどうかを調べる</a:t>
             </a:r>
             <a:endParaRPr lang="ja-JP" altLang="en-US" sz="4400" dirty="0"/>
           </a:p>
@@ -11579,11 +11543,7 @@
           <a:p>
             <a:r>
               <a:rPr kumimoji="1" lang="ja-JP" altLang="en-US" sz="5400" dirty="0" smtClean="0"/>
-              <a:t>アイコンの</a:t>
-            </a:r>
-            <a:r>
-              <a:rPr kumimoji="1" lang="ja-JP" altLang="en-US" sz="5400" dirty="0" smtClean="0"/>
-              <a:t>違いが拡散率に影響があるのではないか？</a:t>
+              <a:t>アイコンの違いが拡散率に影響があるのではないか？</a:t>
             </a:r>
             <a:endParaRPr kumimoji="1" lang="ja-JP" altLang="en-US" sz="5400" dirty="0"/>
           </a:p>
